--- a/group1_MultiScaleFeatureFusion.pptx
+++ b/group1_MultiScaleFeatureFusion.pptx
@@ -30,6 +30,9 @@
   </p:sldIdLst>
   <p:sldSz cx="12192000" cy="6858000"/>
   <p:notesSz cx="6858000" cy="9144000"/>
+  <p:custDataLst>
+    <p:tags r:id="rId26"/>
+  </p:custDataLst>
   <p:defaultTextStyle>
     <a:defPPr>
       <a:defRPr lang="zh-CN"/>
@@ -3846,8 +3849,8 @@
         </p:nvSpPr>
         <p:spPr>
           <a:xfrm>
-            <a:off x="3157619" y="4795483"/>
-            <a:ext cx="6218119" cy="1013460"/>
+            <a:off x="3148729" y="5038688"/>
+            <a:ext cx="6218119" cy="397510"/>
           </a:xfrm>
           <a:prstGeom prst="rect">
             <a:avLst/>
@@ -3860,6 +3863,7 @@
           </a:bodyPr>
           <a:lstStyle/>
           <a:p>
+            <a:pPr algn="ctr"/>
             <a:r>
               <a:rPr lang="zh-CN" altLang="en-US" sz="2000" dirty="0">
                 <a:solidFill>
@@ -3869,158 +3873,6 @@
                 <a:ea typeface="微软雅黑" panose="020B0503020204020204" pitchFamily="34" charset="-122"/>
               </a:rPr>
               <a:t>人工智能研究院       </a:t>
-            </a:r>
-            <a:r>
-              <a:rPr lang="en-US" altLang="zh-CN" sz="2000" dirty="0">
-                <a:solidFill>
-                  <a:schemeClr val="bg1"/>
-                </a:solidFill>
-                <a:latin typeface="Segoe UI Semilight" panose="020B0402040204020203" pitchFamily="34" charset="0"/>
-                <a:ea typeface="微软雅黑" panose="020B0503020204020204" pitchFamily="34" charset="-122"/>
-                <a:cs typeface="Segoe UI Semilight" panose="020B0402040204020203" pitchFamily="34" charset="0"/>
-              </a:rPr>
-              <a:t>19373314	</a:t>
-            </a:r>
-            <a:r>
-              <a:rPr lang="zh-CN" altLang="en-US" sz="2000" dirty="0">
-                <a:solidFill>
-                  <a:schemeClr val="bg1"/>
-                </a:solidFill>
-                <a:latin typeface="Segoe UI Semilight" panose="020B0402040204020203" pitchFamily="34" charset="0"/>
-                <a:ea typeface="微软雅黑" panose="020B0503020204020204" pitchFamily="34" charset="-122"/>
-                <a:cs typeface="Segoe UI Semilight" panose="020B0402040204020203" pitchFamily="34" charset="0"/>
-              </a:rPr>
-              <a:t>杨予光（</a:t>
-            </a:r>
-            <a:r>
-              <a:rPr lang="en-US" altLang="zh-CN" sz="2000" dirty="0">
-                <a:solidFill>
-                  <a:schemeClr val="bg1"/>
-                </a:solidFill>
-                <a:latin typeface="Segoe UI Semilight" panose="020B0402040204020203" pitchFamily="34" charset="0"/>
-                <a:ea typeface="微软雅黑" panose="020B0503020204020204" pitchFamily="34" charset="-122"/>
-                <a:cs typeface="Segoe UI Semilight" panose="020B0402040204020203" pitchFamily="34" charset="0"/>
-              </a:rPr>
-              <a:t>33%</a:t>
-            </a:r>
-            <a:r>
-              <a:rPr lang="zh-CN" altLang="en-US" sz="2000" dirty="0">
-                <a:solidFill>
-                  <a:schemeClr val="bg1"/>
-                </a:solidFill>
-                <a:latin typeface="Segoe UI Semilight" panose="020B0402040204020203" pitchFamily="34" charset="0"/>
-                <a:ea typeface="微软雅黑" panose="020B0503020204020204" pitchFamily="34" charset="-122"/>
-                <a:cs typeface="Segoe UI Semilight" panose="020B0402040204020203" pitchFamily="34" charset="0"/>
-              </a:rPr>
-              <a:t>）</a:t>
-            </a:r>
-            <a:endParaRPr lang="en-US" altLang="zh-CN" sz="2000" dirty="0">
-              <a:solidFill>
-                <a:schemeClr val="bg1"/>
-              </a:solidFill>
-              <a:latin typeface="Segoe UI Semilight" panose="020B0402040204020203" pitchFamily="34" charset="0"/>
-              <a:ea typeface="微软雅黑" panose="020B0503020204020204" pitchFamily="34" charset="-122"/>
-              <a:cs typeface="Segoe UI Semilight" panose="020B0402040204020203" pitchFamily="34" charset="0"/>
-            </a:endParaRPr>
-          </a:p>
-          <a:p>
-            <a:r>
-              <a:rPr lang="en-US" altLang="zh-CN" sz="2000" dirty="0">
-                <a:solidFill>
-                  <a:schemeClr val="bg1"/>
-                </a:solidFill>
-                <a:latin typeface="Segoe UI Semilight" panose="020B0402040204020203" pitchFamily="34" charset="0"/>
-                <a:ea typeface="微软雅黑" panose="020B0503020204020204" pitchFamily="34" charset="-122"/>
-                <a:cs typeface="Segoe UI Semilight" panose="020B0402040204020203" pitchFamily="34" charset="0"/>
-              </a:rPr>
-              <a:t>		       19373202	</a:t>
-            </a:r>
-            <a:r>
-              <a:rPr lang="zh-CN" altLang="en-US" sz="2000" dirty="0">
-                <a:solidFill>
-                  <a:schemeClr val="bg1"/>
-                </a:solidFill>
-                <a:latin typeface="Segoe UI Semilight" panose="020B0402040204020203" pitchFamily="34" charset="0"/>
-                <a:ea typeface="微软雅黑" panose="020B0503020204020204" pitchFamily="34" charset="-122"/>
-                <a:cs typeface="Segoe UI Semilight" panose="020B0402040204020203" pitchFamily="34" charset="0"/>
-              </a:rPr>
-              <a:t>冯赫天（</a:t>
-            </a:r>
-            <a:r>
-              <a:rPr lang="en-US" altLang="zh-CN" sz="2000" dirty="0">
-                <a:solidFill>
-                  <a:schemeClr val="bg1"/>
-                </a:solidFill>
-                <a:latin typeface="Segoe UI Semilight" panose="020B0402040204020203" pitchFamily="34" charset="0"/>
-                <a:ea typeface="微软雅黑" panose="020B0503020204020204" pitchFamily="34" charset="-122"/>
-                <a:cs typeface="Segoe UI Semilight" panose="020B0402040204020203" pitchFamily="34" charset="0"/>
-              </a:rPr>
-              <a:t>33%</a:t>
-            </a:r>
-            <a:r>
-              <a:rPr lang="zh-CN" altLang="en-US" sz="2000" dirty="0">
-                <a:solidFill>
-                  <a:schemeClr val="bg1"/>
-                </a:solidFill>
-                <a:latin typeface="Segoe UI Semilight" panose="020B0402040204020203" pitchFamily="34" charset="0"/>
-                <a:ea typeface="微软雅黑" panose="020B0503020204020204" pitchFamily="34" charset="-122"/>
-                <a:cs typeface="Segoe UI Semilight" panose="020B0402040204020203" pitchFamily="34" charset="0"/>
-              </a:rPr>
-              <a:t>）</a:t>
-            </a:r>
-            <a:endParaRPr lang="en-US" altLang="zh-CN" sz="2000" dirty="0">
-              <a:solidFill>
-                <a:schemeClr val="bg1"/>
-              </a:solidFill>
-              <a:latin typeface="Segoe UI Semilight" panose="020B0402040204020203" pitchFamily="34" charset="0"/>
-              <a:ea typeface="微软雅黑" panose="020B0503020204020204" pitchFamily="34" charset="-122"/>
-              <a:cs typeface="Segoe UI Semilight" panose="020B0402040204020203" pitchFamily="34" charset="0"/>
-            </a:endParaRPr>
-          </a:p>
-          <a:p>
-            <a:r>
-              <a:rPr lang="en-US" altLang="zh-CN" sz="2000" dirty="0">
-                <a:solidFill>
-                  <a:schemeClr val="bg1"/>
-                </a:solidFill>
-                <a:latin typeface="Segoe UI Semilight" panose="020B0402040204020203" pitchFamily="34" charset="0"/>
-                <a:ea typeface="微软雅黑" panose="020B0503020204020204" pitchFamily="34" charset="-122"/>
-                <a:cs typeface="Segoe UI Semilight" panose="020B0402040204020203" pitchFamily="34" charset="0"/>
-              </a:rPr>
-              <a:t>		       19373273	</a:t>
-            </a:r>
-            <a:r>
-              <a:rPr lang="zh-CN" altLang="en-US" sz="2000" dirty="0">
-                <a:solidFill>
-                  <a:schemeClr val="bg1"/>
-                </a:solidFill>
-                <a:latin typeface="Segoe UI Semilight" panose="020B0402040204020203" pitchFamily="34" charset="0"/>
-                <a:ea typeface="微软雅黑" panose="020B0503020204020204" pitchFamily="34" charset="-122"/>
-                <a:cs typeface="Segoe UI Semilight" panose="020B0402040204020203" pitchFamily="34" charset="0"/>
-              </a:rPr>
-              <a:t>杨程鸿（</a:t>
-            </a:r>
-            <a:r>
-              <a:rPr lang="en-US" altLang="zh-CN" sz="2000" dirty="0">
-                <a:solidFill>
-                  <a:schemeClr val="bg1"/>
-                </a:solidFill>
-                <a:latin typeface="Segoe UI Semilight" panose="020B0402040204020203" pitchFamily="34" charset="0"/>
-                <a:ea typeface="微软雅黑" panose="020B0503020204020204" pitchFamily="34" charset="-122"/>
-                <a:cs typeface="Segoe UI Semilight" panose="020B0402040204020203" pitchFamily="34" charset="0"/>
-              </a:rPr>
-              <a:t>33%</a:t>
-            </a:r>
-            <a:r>
-              <a:rPr lang="zh-CN" altLang="en-US" sz="2000" dirty="0">
-                <a:solidFill>
-                  <a:schemeClr val="bg1"/>
-                </a:solidFill>
-                <a:latin typeface="Segoe UI Semilight" panose="020B0402040204020203" pitchFamily="34" charset="0"/>
-                <a:ea typeface="微软雅黑" panose="020B0503020204020204" pitchFamily="34" charset="-122"/>
-                <a:cs typeface="Segoe UI Semilight" panose="020B0402040204020203" pitchFamily="34" charset="0"/>
-              </a:rPr>
-              <a:t>）</a:t>
             </a:r>
             <a:endParaRPr lang="zh-CN" altLang="en-US" sz="2000" dirty="0">
               <a:solidFill>
@@ -34827,6 +34679,13 @@
 </p:tagLst>
 </file>
 
+<file path=ppt/tags/tag2.xml><?xml version="1.0" encoding="utf-8"?>
+<p:tagLst xmlns:p="http://schemas.openxmlformats.org/presentationml/2006/main">
+  <p:tag name="KSO_WPP_MARK_KEY" val="d6a00420-cfd7-43ad-be8d-14f13b86766e"/>
+  <p:tag name="COMMONDATA" val="eyJoZGlkIjoiNDg1ZGZhM2IyYWRkMzA0MDQ5MWUwYzQwZDY5MmE4ZWEifQ=="/>
+</p:tagLst>
+</file>
+
 <file path=ppt/theme/theme1.xml><?xml version="1.0" encoding="utf-8"?>
 <a:theme xmlns:a="http://schemas.openxmlformats.org/drawingml/2006/main" name="1">
   <a:themeElements>
